--- a/assets/Skulduggery.pptx
+++ b/assets/Skulduggery.pptx
@@ -113,6 +113,11 @@
       </a:defRPr>
     </a:lvl9pPr>
   </p:defaultTextStyle>
+  <p:extLst>
+    <p:ext uri="{EFAFB233-063F-42B5-8137-9DF3F51BA10A}">
+      <p15:sldGuideLst xmlns:p15="http://schemas.microsoft.com/office/powerpoint/2012/main"/>
+    </p:ext>
+  </p:extLst>
 </p:presentation>
 </file>
 
@@ -15913,13 +15918,13 @@
   <p:clrMapOvr>
     <a:masterClrMapping/>
   </p:clrMapOvr>
-  <mc:AlternateContent xmlns:mc="http://schemas.openxmlformats.org/markup-compatibility/2006">
-    <mc:Choice xmlns:p14="http://schemas.microsoft.com/office/powerpoint/2010/main" Requires="p14">
+  <mc:AlternateContent xmlns:mc="http://schemas.openxmlformats.org/markup-compatibility/2006" xmlns:p14="http://schemas.microsoft.com/office/powerpoint/2010/main">
+    <mc:Choice Requires="p14">
       <p:transition spd="slow" p14:dur="3400">
         <p14:reveal/>
       </p:transition>
     </mc:Choice>
-    <mc:Fallback>
+    <mc:Fallback xmlns="">
       <p:transition spd="slow">
         <p:fade/>
       </p:transition>
@@ -16149,7 +16154,7 @@
         <p:spPr>
           <a:xfrm>
             <a:off x="821531" y="1835944"/>
-            <a:ext cx="7722394" cy="1754326"/>
+            <a:ext cx="7722394" cy="2308324"/>
           </a:xfrm>
           <a:prstGeom prst="rect">
             <a:avLst/>
@@ -16185,22 +16190,10 @@
             </a:pPr>
             <a:r>
               <a:rPr lang="en-US" dirty="0"/>
-              <a:t>Do you wish that you had at the touch of your fingers…elvish female names? </a:t>
+              <a:t>Do you wish that you had at the touch of your fingers…the ability to create life without having to think hard?</a:t>
             </a:r>
-            <a:r>
-              <a:rPr lang="en-US" dirty="0" err="1"/>
-              <a:t>Dwarvish</a:t>
-            </a:r>
-            <a:r>
-              <a:rPr lang="en-US" dirty="0"/>
-              <a:t> Fighter images? Half-Orc wizard? </a:t>
-            </a:r>
-          </a:p>
-          <a:p>
-            <a:pPr marL="285750" indent="-285750">
-              <a:buFont typeface="Wingdings" panose="05000000000000000000" pitchFamily="2" charset="2"/>
-              <a:buChar char="v"/>
-            </a:pPr>
+          </a:p>
+          <a:p>
             <a:endParaRPr lang="en-US" dirty="0"/>
           </a:p>
           <a:p>
@@ -16210,7 +16203,24 @@
             </a:pPr>
             <a:r>
               <a:rPr lang="en-US" dirty="0"/>
-              <a:t>Look no further.</a:t>
+              <a:t>Well look no further.</a:t>
+            </a:r>
+          </a:p>
+          <a:p>
+            <a:pPr marL="285750" indent="-285750">
+              <a:buFont typeface="Wingdings" panose="05000000000000000000" pitchFamily="2" charset="2"/>
+              <a:buChar char="v"/>
+            </a:pPr>
+            <a:endParaRPr lang="en-US" dirty="0"/>
+          </a:p>
+          <a:p>
+            <a:pPr marL="285750" indent="-285750">
+              <a:buFont typeface="Wingdings" panose="05000000000000000000" pitchFamily="2" charset="2"/>
+              <a:buChar char="v"/>
+            </a:pPr>
+            <a:r>
+              <a:rPr lang="en-US" dirty="0"/>
+              <a:t>Imagine with me…..</a:t>
             </a:r>
           </a:p>
         </p:txBody>
@@ -16566,63 +16576,7 @@
             </a:r>
             <a:r>
               <a:rPr lang="en-US" dirty="0"/>
-              <a:t> edition API </a:t>
-            </a:r>
-          </a:p>
-          <a:p>
-            <a:pPr lvl="2">
-              <a:buFont typeface="Wingdings" panose="05000000000000000000" pitchFamily="2" charset="2"/>
-              <a:buChar char="§"/>
-            </a:pPr>
-            <a:r>
-              <a:rPr lang="en-US" dirty="0"/>
-              <a:t>Eli --- populated classes and race information, floated around </a:t>
-            </a:r>
-            <a:r>
-              <a:rPr lang="en-US" dirty="0" err="1"/>
-              <a:t>github</a:t>
-            </a:r>
-            <a:endParaRPr lang="en-US" dirty="0"/>
-          </a:p>
-          <a:p>
-            <a:pPr lvl="2">
-              <a:buFont typeface="Wingdings" panose="05000000000000000000" pitchFamily="2" charset="2"/>
-              <a:buChar char="§"/>
-            </a:pPr>
-            <a:r>
-              <a:rPr lang="en-US" dirty="0"/>
-              <a:t>Ethan --- populated background &amp; drop-down menus, also floated amongst other projects</a:t>
-            </a:r>
-          </a:p>
-          <a:p>
-            <a:pPr lvl="0" algn="l" rtl="0">
-              <a:spcBef>
-                <a:spcPts val="0"/>
-              </a:spcBef>
-              <a:spcAft>
-                <a:spcPts val="0"/>
-              </a:spcAft>
-              <a:buSzPts val="1800"/>
-              <a:buFont typeface="Wingdings" panose="05000000000000000000" pitchFamily="2" charset="2"/>
-              <a:buChar char="v"/>
-            </a:pPr>
-            <a:r>
-              <a:rPr lang="en-US" dirty="0"/>
-              <a:t>Deviant Art API for Picture generation</a:t>
-            </a:r>
-          </a:p>
-          <a:p>
-            <a:pPr lvl="2" indent="-342900">
-              <a:spcBef>
-                <a:spcPts val="0"/>
-              </a:spcBef>
-              <a:buSzPts val="1800"/>
-              <a:buFont typeface="Wingdings" panose="05000000000000000000" pitchFamily="2" charset="2"/>
-              <a:buChar char="§"/>
-            </a:pPr>
-            <a:r>
-              <a:rPr lang="en-US" dirty="0"/>
-              <a:t>Mohamed --- created a randomized image based on character race</a:t>
+              <a:t> edition API</a:t>
             </a:r>
           </a:p>
           <a:p>
@@ -16643,7 +16597,17 @@
             </a:r>
           </a:p>
           <a:p>
-            <a:pPr lvl="2" indent="-342900">
+            <a:pPr lvl="1">
+              <a:buFont typeface="Wingdings" panose="05000000000000000000" pitchFamily="2" charset="2"/>
+              <a:buChar char="§"/>
+            </a:pPr>
+            <a:r>
+              <a:rPr lang="en-US" dirty="0"/>
+              <a:t>Eli --- populated classes and race information, floated around</a:t>
+            </a:r>
+          </a:p>
+          <a:p>
+            <a:pPr lvl="1">
               <a:spcBef>
                 <a:spcPts val="0"/>
               </a:spcBef>
@@ -16653,19 +16617,11 @@
             </a:pPr>
             <a:r>
               <a:rPr lang="en-US" dirty="0"/>
-              <a:t>Mike --- </a:t>
+              <a:t>Ethan --- randomized background &amp; drop-down menus, also floated other projects</a:t>
             </a:r>
-            <a:r>
-              <a:rPr lang="en-US" dirty="0" err="1"/>
-              <a:t>Bulma</a:t>
-            </a:r>
-            <a:r>
-              <a:rPr lang="en-US" dirty="0"/>
-              <a:t> for Frame work and CSS</a:t>
-            </a:r>
-          </a:p>
-          <a:p>
-            <a:pPr lvl="2" indent="-342900">
+          </a:p>
+          <a:p>
+            <a:pPr lvl="1">
               <a:spcBef>
                 <a:spcPts val="0"/>
               </a:spcBef>
@@ -16675,7 +16631,43 @@
             </a:pPr>
             <a:r>
               <a:rPr lang="en-US" dirty="0"/>
-              <a:t>Derek --- overall aesthetic and CSS building</a:t>
+              <a:t>Mike --- random name generator and CSS styling </a:t>
+            </a:r>
+          </a:p>
+          <a:p>
+            <a:pPr lvl="1">
+              <a:spcBef>
+                <a:spcPts val="0"/>
+              </a:spcBef>
+              <a:buSzPts val="1800"/>
+              <a:buFont typeface="Wingdings" panose="05000000000000000000" pitchFamily="2" charset="2"/>
+              <a:buChar char="§"/>
+            </a:pPr>
+            <a:r>
+              <a:rPr lang="en-US" dirty="0"/>
+              <a:t>Derek --- </a:t>
+            </a:r>
+            <a:r>
+              <a:rPr lang="en-US" dirty="0" err="1"/>
+              <a:t>Bulma</a:t>
+            </a:r>
+            <a:r>
+              <a:rPr lang="en-US" dirty="0"/>
+              <a:t> for frame work overall aesthetic and CSS building</a:t>
+            </a:r>
+          </a:p>
+          <a:p>
+            <a:pPr lvl="1">
+              <a:spcBef>
+                <a:spcPts val="0"/>
+              </a:spcBef>
+              <a:buSzPts val="1800"/>
+              <a:buFont typeface="Wingdings" panose="05000000000000000000" pitchFamily="2" charset="2"/>
+              <a:buChar char="§"/>
+            </a:pPr>
+            <a:r>
+              <a:rPr lang="en-US" dirty="0"/>
+              <a:t>Mohamed --- fixed issues, bugs, and floated </a:t>
             </a:r>
           </a:p>
           <a:p>
@@ -16692,35 +16684,13 @@
             <a:endParaRPr lang="en-US" dirty="0"/>
           </a:p>
           <a:p>
-            <a:pPr marL="114300" lvl="0" indent="0" algn="l" rtl="0">
-              <a:spcBef>
-                <a:spcPts val="0"/>
-              </a:spcBef>
-              <a:spcAft>
-                <a:spcPts val="0"/>
-              </a:spcAft>
-              <a:buSzPts val="1800"/>
-              <a:buNone/>
+            <a:pPr>
+              <a:buFont typeface="Wingdings" panose="05000000000000000000" pitchFamily="2" charset="2"/>
+              <a:buChar char="v"/>
             </a:pPr>
             <a:r>
               <a:rPr lang="en-US" dirty="0"/>
-              <a:t>OTHER CHALLENGES: Utilizing </a:t>
-            </a:r>
-            <a:r>
-              <a:rPr lang="en-US" dirty="0" err="1"/>
-              <a:t>github</a:t>
-            </a:r>
-            <a:r>
-              <a:rPr lang="en-US" dirty="0"/>
-              <a:t> merge conflicts &amp; </a:t>
-            </a:r>
-            <a:r>
-              <a:rPr lang="en-US" dirty="0" err="1"/>
-              <a:t>gitbash</a:t>
-            </a:r>
-            <a:r>
-              <a:rPr lang="en-US" dirty="0"/>
-              <a:t> with branching issues</a:t>
+              <a:t>CHALLENGES: utilizing GitHub merge conflicts &amp; Git Bash with branching issues</a:t>
             </a:r>
           </a:p>
           <a:p>
@@ -16744,7 +16714,7 @@
             </a:r>
             <a:r>
               <a:rPr lang="en-US" sz="1200" dirty="0"/>
-              <a:t> Difficulty with some SRD content  </a:t>
+              <a:t> Difficulty with SRD content  </a:t>
             </a:r>
             <a:r>
               <a:rPr lang="en-US" sz="1600" b="1" dirty="0"/>
@@ -16752,15 +16722,7 @@
             </a:r>
             <a:r>
               <a:rPr lang="en-US" sz="1200" dirty="0"/>
-              <a:t> Certain races not available on API  </a:t>
-            </a:r>
-            <a:r>
-              <a:rPr lang="en-US" sz="1600" b="1" dirty="0"/>
-              <a:t>|</a:t>
-            </a:r>
-            <a:r>
-              <a:rPr lang="en-US" sz="1200" dirty="0"/>
-              <a:t>  utilizing new frame work and classes</a:t>
+              <a:t>  Utilizing new frame work and classes</a:t>
             </a:r>
           </a:p>
           <a:p>
@@ -16988,6 +16950,8 @@
               <a:spcAft>
                 <a:spcPts val="1600"/>
               </a:spcAft>
+              <a:buFont typeface="Wingdings" panose="05000000000000000000" pitchFamily="2" charset="2"/>
+              <a:buChar char="v"/>
             </a:pPr>
             <a:r>
               <a:rPr lang="en-US" dirty="0"/>
@@ -16999,6 +16963,8 @@
               <a:spcAft>
                 <a:spcPts val="1600"/>
               </a:spcAft>
+              <a:buFont typeface="Wingdings" panose="05000000000000000000" pitchFamily="2" charset="2"/>
+              <a:buChar char="v"/>
             </a:pPr>
             <a:r>
               <a:rPr lang="en-US" dirty="0"/>
@@ -17010,6 +16976,8 @@
               <a:spcAft>
                 <a:spcPts val="1600"/>
               </a:spcAft>
+              <a:buFont typeface="Wingdings" panose="05000000000000000000" pitchFamily="2" charset="2"/>
+              <a:buChar char="v"/>
             </a:pPr>
             <a:r>
               <a:rPr lang="en-US" dirty="0"/>
@@ -17021,6 +16989,8 @@
               <a:spcAft>
                 <a:spcPts val="1600"/>
               </a:spcAft>
+              <a:buFont typeface="Wingdings" panose="05000000000000000000" pitchFamily="2" charset="2"/>
+              <a:buChar char="v"/>
             </a:pPr>
             <a:r>
               <a:rPr lang="en-US" dirty="0"/>
@@ -17032,6 +17002,21 @@
               <a:spcAft>
                 <a:spcPts val="1600"/>
               </a:spcAft>
+              <a:buFont typeface="Wingdings" panose="05000000000000000000" pitchFamily="2" charset="2"/>
+              <a:buChar char="v"/>
+            </a:pPr>
+            <a:r>
+              <a:rPr lang="en-US" dirty="0"/>
+              <a:t>Adding a gender option for names and images</a:t>
+            </a:r>
+          </a:p>
+          <a:p>
+            <a:pPr marL="285750" indent="-285750">
+              <a:spcAft>
+                <a:spcPts val="1600"/>
+              </a:spcAft>
+              <a:buFont typeface="Wingdings" panose="05000000000000000000" pitchFamily="2" charset="2"/>
+              <a:buChar char="v"/>
             </a:pPr>
             <a:r>
               <a:rPr lang="en-US" dirty="0"/>
@@ -17043,6 +17028,8 @@
               <a:spcAft>
                 <a:spcPts val="1600"/>
               </a:spcAft>
+              <a:buFont typeface="Wingdings" panose="05000000000000000000" pitchFamily="2" charset="2"/>
+              <a:buChar char="v"/>
             </a:pPr>
             <a:r>
               <a:rPr lang="en-US" dirty="0"/>
@@ -17175,7 +17162,7 @@
             <a:endParaRPr lang="en" dirty="0"/>
           </a:p>
           <a:p>
-            <a:pPr marL="457200" lvl="0" indent="-342900" algn="l" rtl="0">
+            <a:pPr lvl="0" algn="l" rtl="0">
               <a:spcBef>
                 <a:spcPts val="0"/>
               </a:spcBef>
@@ -17183,7 +17170,8 @@
                 <a:spcPts val="0"/>
               </a:spcAft>
               <a:buSzPts val="1800"/>
-              <a:buChar char="●"/>
+              <a:buFont typeface="Wingdings" panose="05000000000000000000" pitchFamily="2" charset="2"/>
+              <a:buChar char="v"/>
             </a:pPr>
             <a:r>
               <a:rPr lang="en" dirty="0"/>
@@ -17199,7 +17187,7 @@
             </a:r>
           </a:p>
           <a:p>
-            <a:pPr marL="457200" lvl="0" indent="-342900" algn="l" rtl="0">
+            <a:pPr lvl="0" algn="l" rtl="0">
               <a:spcBef>
                 <a:spcPts val="0"/>
               </a:spcBef>
@@ -17207,12 +17195,13 @@
                 <a:spcPts val="0"/>
               </a:spcAft>
               <a:buSzPts val="1800"/>
-              <a:buChar char="●"/>
+              <a:buFont typeface="Wingdings" panose="05000000000000000000" pitchFamily="2" charset="2"/>
+              <a:buChar char="v"/>
             </a:pPr>
             <a:endParaRPr lang="en" dirty="0"/>
           </a:p>
           <a:p>
-            <a:pPr marL="457200" lvl="0" indent="-342900" algn="l" rtl="0">
+            <a:pPr lvl="0" algn="l" rtl="0">
               <a:spcBef>
                 <a:spcPts val="0"/>
               </a:spcBef>
@@ -17220,7 +17209,8 @@
                 <a:spcPts val="0"/>
               </a:spcAft>
               <a:buSzPts val="1800"/>
-              <a:buChar char="●"/>
+              <a:buFont typeface="Wingdings" panose="05000000000000000000" pitchFamily="2" charset="2"/>
+              <a:buChar char="v"/>
             </a:pPr>
             <a:r>
               <a:rPr lang="en" dirty="0"/>

--- a/assets/Skulduggery.pptx
+++ b/assets/Skulduggery.pptx
@@ -1626,7 +1626,7 @@
             <a:fld id="{5923F103-BC34-4FE4-A40E-EDDEECFDA5D0}" type="datetimeFigureOut">
               <a:rPr lang="en-US" dirty="0"/>
               <a:pPr/>
-              <a:t>5/27/2021</a:t>
+              <a:t>5/29/2021</a:t>
             </a:fld>
             <a:endParaRPr lang="en-US" dirty="0"/>
           </a:p>
@@ -2728,7 +2728,7 @@
           <a:p>
             <a:fld id="{923A1CC3-2375-41D4-9E03-427CAF2A4C1A}" type="datetimeFigureOut">
               <a:rPr lang="en-US" dirty="0"/>
-              <a:t>5/27/2021</a:t>
+              <a:t>5/29/2021</a:t>
             </a:fld>
             <a:endParaRPr lang="en-US" dirty="0"/>
           </a:p>
@@ -3722,7 +3722,7 @@
           <a:p>
             <a:fld id="{AFF16868-8199-4C2C-A5B1-63AEE139F88E}" type="datetimeFigureOut">
               <a:rPr lang="en-US" dirty="0"/>
-              <a:t>5/27/2021</a:t>
+              <a:t>5/29/2021</a:t>
             </a:fld>
             <a:endParaRPr lang="en-US" dirty="0"/>
           </a:p>
@@ -4870,7 +4870,7 @@
           <a:p>
             <a:fld id="{AAD9FF7F-6988-44CC-821B-644E70CD2F73}" type="datetimeFigureOut">
               <a:rPr lang="en-US" dirty="0"/>
-              <a:t>5/27/2021</a:t>
+              <a:t>5/29/2021</a:t>
             </a:fld>
             <a:endParaRPr lang="en-US" dirty="0"/>
           </a:p>
@@ -5917,7 +5917,7 @@
           <a:p>
             <a:fld id="{5C12C299-16B2-4475-990D-751901EACC14}" type="datetimeFigureOut">
               <a:rPr lang="en-US" dirty="0"/>
-              <a:t>5/27/2021</a:t>
+              <a:t>5/29/2021</a:t>
             </a:fld>
             <a:endParaRPr lang="en-US" dirty="0"/>
           </a:p>
@@ -6591,7 +6591,7 @@
           <a:p>
             <a:fld id="{9FE86839-B9D8-4651-8783-F325ECE74E65}" type="datetimeFigureOut">
               <a:rPr lang="en-US" dirty="0"/>
-              <a:t>5/27/2021</a:t>
+              <a:t>5/29/2021</a:t>
             </a:fld>
             <a:endParaRPr lang="en-US" dirty="0"/>
           </a:p>
@@ -7466,7 +7466,7 @@
           <a:p>
             <a:fld id="{FD484F64-32F6-45C5-931F-ADC1662401D0}" type="datetimeFigureOut">
               <a:rPr lang="en-US" dirty="0"/>
-              <a:t>5/27/2021</a:t>
+              <a:t>5/29/2021</a:t>
             </a:fld>
             <a:endParaRPr lang="en-US" dirty="0"/>
           </a:p>
@@ -7670,7 +7670,7 @@
           <a:p>
             <a:fld id="{53086D93-FCAC-47E0-A2EE-787E62CA814C}" type="datetimeFigureOut">
               <a:rPr lang="en-US" dirty="0"/>
-              <a:t>5/27/2021</a:t>
+              <a:t>5/29/2021</a:t>
             </a:fld>
             <a:endParaRPr lang="en-US" dirty="0"/>
           </a:p>
@@ -8656,7 +8656,7 @@
           <a:p>
             <a:fld id="{CDA879A6-0FD0-4734-A311-86BFCA472E6E}" type="datetimeFigureOut">
               <a:rPr lang="en-US" dirty="0"/>
-              <a:t>5/27/2021</a:t>
+              <a:t>5/29/2021</a:t>
             </a:fld>
             <a:endParaRPr lang="en-US" dirty="0"/>
           </a:p>
@@ -9486,7 +9486,7 @@
           <a:p>
             <a:fld id="{19C9CA7B-DFD4-44B5-8C60-D14B8CD1FB59}" type="datetimeFigureOut">
               <a:rPr lang="en-US" dirty="0"/>
-              <a:t>5/27/2021</a:t>
+              <a:t>5/29/2021</a:t>
             </a:fld>
             <a:endParaRPr lang="en-US" dirty="0"/>
           </a:p>
@@ -10534,7 +10534,7 @@
           <a:p>
             <a:fld id="{F34E6425-0181-43F2-84FC-787E803FD2F8}" type="datetimeFigureOut">
               <a:rPr lang="en-US" dirty="0"/>
-              <a:t>5/27/2021</a:t>
+              <a:t>5/29/2021</a:t>
             </a:fld>
             <a:endParaRPr lang="en-US" dirty="0"/>
           </a:p>
@@ -10820,7 +10820,7 @@
           <a:p>
             <a:fld id="{3BDB8791-F1B0-41E7-B7FD-A781E65C4266}" type="datetimeFigureOut">
               <a:rPr lang="en-US" dirty="0"/>
-              <a:t>5/27/2021</a:t>
+              <a:t>5/29/2021</a:t>
             </a:fld>
             <a:endParaRPr lang="en-US" dirty="0"/>
           </a:p>
@@ -11244,7 +11244,7 @@
           <a:p>
             <a:fld id="{5FDD63B2-E120-4ED8-B27B-C685F510A5FE}" type="datetimeFigureOut">
               <a:rPr lang="en-US" dirty="0"/>
-              <a:t>5/27/2021</a:t>
+              <a:t>5/29/2021</a:t>
             </a:fld>
             <a:endParaRPr lang="en-US" dirty="0"/>
           </a:p>
@@ -11385,7 +11385,7 @@
           <a:p>
             <a:fld id="{7AA18ACC-A947-437B-A130-35BD54FDF1E9}" type="datetimeFigureOut">
               <a:rPr lang="en-US" dirty="0"/>
-              <a:t>5/27/2021</a:t>
+              <a:t>5/29/2021</a:t>
             </a:fld>
             <a:endParaRPr lang="en-US" dirty="0"/>
           </a:p>
@@ -11494,7 +11494,7 @@
           <a:p>
             <a:fld id="{7C8D7E02-BCB8-4D50-A234-369438C08659}" type="datetimeFigureOut">
               <a:rPr lang="en-US" dirty="0"/>
-              <a:t>5/27/2021</a:t>
+              <a:t>5/29/2021</a:t>
             </a:fld>
             <a:endParaRPr lang="en-US" dirty="0"/>
           </a:p>
@@ -12588,7 +12588,7 @@
           <a:p>
             <a:fld id="{76E86A4C-8E40-4F87-A4F0-01A0687C5742}" type="datetimeFigureOut">
               <a:rPr lang="en-US" dirty="0"/>
-              <a:t>5/27/2021</a:t>
+              <a:t>5/29/2021</a:t>
             </a:fld>
             <a:endParaRPr lang="en-US" dirty="0"/>
           </a:p>
@@ -13710,7 +13710,7 @@
           <a:p>
             <a:fld id="{35E72C73-2D91-4E12-BA25-F0AA0C03599B}" type="datetimeFigureOut">
               <a:rPr lang="en-US" dirty="0"/>
-              <a:t>5/27/2021</a:t>
+              <a:t>5/29/2021</a:t>
             </a:fld>
             <a:endParaRPr lang="en-US" dirty="0"/>
           </a:p>
@@ -14721,7 +14721,7 @@
           <a:p>
             <a:fld id="{2BE451C3-0FF4-47C4-B829-773ADF60F88C}" type="datetimeFigureOut">
               <a:rPr lang="en-US" dirty="0"/>
-              <a:t>5/27/2021</a:t>
+              <a:t>5/29/2021</a:t>
             </a:fld>
             <a:endParaRPr lang="en-US" dirty="0"/>
           </a:p>
@@ -16617,7 +16617,7 @@
             </a:pPr>
             <a:r>
               <a:rPr lang="en-US" dirty="0"/>
-              <a:t>Ethan --- randomized background &amp; drop-down menus, also floated other projects</a:t>
+              <a:t>Ethan --- randomized background &amp; drop-down menus, floated around</a:t>
             </a:r>
           </a:p>
           <a:p>
@@ -16667,24 +16667,26 @@
             </a:pPr>
             <a:r>
               <a:rPr lang="en-US" dirty="0"/>
-              <a:t>Mohamed --- fixed issues, bugs, and floated </a:t>
+              <a:t>Mohamed --- fixed issues</a:t>
             </a:r>
           </a:p>
           <a:p>
-            <a:pPr marL="114300" lvl="0" indent="0" algn="l" rtl="0">
+            <a:pPr lvl="1">
               <a:spcBef>
                 <a:spcPts val="0"/>
               </a:spcBef>
-              <a:spcAft>
-                <a:spcPts val="0"/>
-              </a:spcAft>
               <a:buSzPts val="1800"/>
-              <a:buNone/>
+              <a:buFont typeface="Wingdings" panose="05000000000000000000" pitchFamily="2" charset="2"/>
+              <a:buChar char="§"/>
             </a:pPr>
             <a:endParaRPr lang="en-US" dirty="0"/>
           </a:p>
           <a:p>
-            <a:pPr>
+            <a:pPr lvl="1">
+              <a:spcBef>
+                <a:spcPts val="0"/>
+              </a:spcBef>
+              <a:buSzPts val="1800"/>
               <a:buFont typeface="Wingdings" panose="05000000000000000000" pitchFamily="2" charset="2"/>
               <a:buChar char="v"/>
             </a:pPr>

--- a/assets/Skulduggery.pptx
+++ b/assets/Skulduggery.pptx
@@ -1626,7 +1626,7 @@
             <a:fld id="{5923F103-BC34-4FE4-A40E-EDDEECFDA5D0}" type="datetimeFigureOut">
               <a:rPr lang="en-US" dirty="0"/>
               <a:pPr/>
-              <a:t>5/29/2021</a:t>
+              <a:t>5/30/2021</a:t>
             </a:fld>
             <a:endParaRPr lang="en-US" dirty="0"/>
           </a:p>
@@ -2728,7 +2728,7 @@
           <a:p>
             <a:fld id="{923A1CC3-2375-41D4-9E03-427CAF2A4C1A}" type="datetimeFigureOut">
               <a:rPr lang="en-US" dirty="0"/>
-              <a:t>5/29/2021</a:t>
+              <a:t>5/30/2021</a:t>
             </a:fld>
             <a:endParaRPr lang="en-US" dirty="0"/>
           </a:p>
@@ -3722,7 +3722,7 @@
           <a:p>
             <a:fld id="{AFF16868-8199-4C2C-A5B1-63AEE139F88E}" type="datetimeFigureOut">
               <a:rPr lang="en-US" dirty="0"/>
-              <a:t>5/29/2021</a:t>
+              <a:t>5/30/2021</a:t>
             </a:fld>
             <a:endParaRPr lang="en-US" dirty="0"/>
           </a:p>
@@ -4870,7 +4870,7 @@
           <a:p>
             <a:fld id="{AAD9FF7F-6988-44CC-821B-644E70CD2F73}" type="datetimeFigureOut">
               <a:rPr lang="en-US" dirty="0"/>
-              <a:t>5/29/2021</a:t>
+              <a:t>5/30/2021</a:t>
             </a:fld>
             <a:endParaRPr lang="en-US" dirty="0"/>
           </a:p>
@@ -5917,7 +5917,7 @@
           <a:p>
             <a:fld id="{5C12C299-16B2-4475-990D-751901EACC14}" type="datetimeFigureOut">
               <a:rPr lang="en-US" dirty="0"/>
-              <a:t>5/29/2021</a:t>
+              <a:t>5/30/2021</a:t>
             </a:fld>
             <a:endParaRPr lang="en-US" dirty="0"/>
           </a:p>
@@ -6591,7 +6591,7 @@
           <a:p>
             <a:fld id="{9FE86839-B9D8-4651-8783-F325ECE74E65}" type="datetimeFigureOut">
               <a:rPr lang="en-US" dirty="0"/>
-              <a:t>5/29/2021</a:t>
+              <a:t>5/30/2021</a:t>
             </a:fld>
             <a:endParaRPr lang="en-US" dirty="0"/>
           </a:p>
@@ -7466,7 +7466,7 @@
           <a:p>
             <a:fld id="{FD484F64-32F6-45C5-931F-ADC1662401D0}" type="datetimeFigureOut">
               <a:rPr lang="en-US" dirty="0"/>
-              <a:t>5/29/2021</a:t>
+              <a:t>5/30/2021</a:t>
             </a:fld>
             <a:endParaRPr lang="en-US" dirty="0"/>
           </a:p>
@@ -7670,7 +7670,7 @@
           <a:p>
             <a:fld id="{53086D93-FCAC-47E0-A2EE-787E62CA814C}" type="datetimeFigureOut">
               <a:rPr lang="en-US" dirty="0"/>
-              <a:t>5/29/2021</a:t>
+              <a:t>5/30/2021</a:t>
             </a:fld>
             <a:endParaRPr lang="en-US" dirty="0"/>
           </a:p>
@@ -8656,7 +8656,7 @@
           <a:p>
             <a:fld id="{CDA879A6-0FD0-4734-A311-86BFCA472E6E}" type="datetimeFigureOut">
               <a:rPr lang="en-US" dirty="0"/>
-              <a:t>5/29/2021</a:t>
+              <a:t>5/30/2021</a:t>
             </a:fld>
             <a:endParaRPr lang="en-US" dirty="0"/>
           </a:p>
@@ -9486,7 +9486,7 @@
           <a:p>
             <a:fld id="{19C9CA7B-DFD4-44B5-8C60-D14B8CD1FB59}" type="datetimeFigureOut">
               <a:rPr lang="en-US" dirty="0"/>
-              <a:t>5/29/2021</a:t>
+              <a:t>5/30/2021</a:t>
             </a:fld>
             <a:endParaRPr lang="en-US" dirty="0"/>
           </a:p>
@@ -10534,7 +10534,7 @@
           <a:p>
             <a:fld id="{F34E6425-0181-43F2-84FC-787E803FD2F8}" type="datetimeFigureOut">
               <a:rPr lang="en-US" dirty="0"/>
-              <a:t>5/29/2021</a:t>
+              <a:t>5/30/2021</a:t>
             </a:fld>
             <a:endParaRPr lang="en-US" dirty="0"/>
           </a:p>
@@ -10820,7 +10820,7 @@
           <a:p>
             <a:fld id="{3BDB8791-F1B0-41E7-B7FD-A781E65C4266}" type="datetimeFigureOut">
               <a:rPr lang="en-US" dirty="0"/>
-              <a:t>5/29/2021</a:t>
+              <a:t>5/30/2021</a:t>
             </a:fld>
             <a:endParaRPr lang="en-US" dirty="0"/>
           </a:p>
@@ -11244,7 +11244,7 @@
           <a:p>
             <a:fld id="{5FDD63B2-E120-4ED8-B27B-C685F510A5FE}" type="datetimeFigureOut">
               <a:rPr lang="en-US" dirty="0"/>
-              <a:t>5/29/2021</a:t>
+              <a:t>5/30/2021</a:t>
             </a:fld>
             <a:endParaRPr lang="en-US" dirty="0"/>
           </a:p>
@@ -11385,7 +11385,7 @@
           <a:p>
             <a:fld id="{7AA18ACC-A947-437B-A130-35BD54FDF1E9}" type="datetimeFigureOut">
               <a:rPr lang="en-US" dirty="0"/>
-              <a:t>5/29/2021</a:t>
+              <a:t>5/30/2021</a:t>
             </a:fld>
             <a:endParaRPr lang="en-US" dirty="0"/>
           </a:p>
@@ -11494,7 +11494,7 @@
           <a:p>
             <a:fld id="{7C8D7E02-BCB8-4D50-A234-369438C08659}" type="datetimeFigureOut">
               <a:rPr lang="en-US" dirty="0"/>
-              <a:t>5/29/2021</a:t>
+              <a:t>5/30/2021</a:t>
             </a:fld>
             <a:endParaRPr lang="en-US" dirty="0"/>
           </a:p>
@@ -12588,7 +12588,7 @@
           <a:p>
             <a:fld id="{76E86A4C-8E40-4F87-A4F0-01A0687C5742}" type="datetimeFigureOut">
               <a:rPr lang="en-US" dirty="0"/>
-              <a:t>5/29/2021</a:t>
+              <a:t>5/30/2021</a:t>
             </a:fld>
             <a:endParaRPr lang="en-US" dirty="0"/>
           </a:p>
@@ -13710,7 +13710,7 @@
           <a:p>
             <a:fld id="{35E72C73-2D91-4E12-BA25-F0AA0C03599B}" type="datetimeFigureOut">
               <a:rPr lang="en-US" dirty="0"/>
-              <a:t>5/29/2021</a:t>
+              <a:t>5/30/2021</a:t>
             </a:fld>
             <a:endParaRPr lang="en-US" dirty="0"/>
           </a:p>
@@ -14721,7 +14721,7 @@
           <a:p>
             <a:fld id="{2BE451C3-0FF4-47C4-B829-773ADF60F88C}" type="datetimeFigureOut">
               <a:rPr lang="en-US" dirty="0"/>
-              <a:t>5/29/2021</a:t>
+              <a:t>5/30/2021</a:t>
             </a:fld>
             <a:endParaRPr lang="en-US" dirty="0"/>
           </a:p>
@@ -16645,15 +16645,7 @@
             </a:pPr>
             <a:r>
               <a:rPr lang="en-US" dirty="0"/>
-              <a:t>Derek --- </a:t>
-            </a:r>
-            <a:r>
-              <a:rPr lang="en-US" dirty="0" err="1"/>
-              <a:t>Bulma</a:t>
-            </a:r>
-            <a:r>
-              <a:rPr lang="en-US" dirty="0"/>
-              <a:t> for frame work overall aesthetic and CSS building</a:t>
+              <a:t>Derek --- personality generator, framework, and CSS styling</a:t>
             </a:r>
           </a:p>
           <a:p>
@@ -16667,7 +16659,7 @@
             </a:pPr>
             <a:r>
               <a:rPr lang="en-US" dirty="0"/>
-              <a:t>Mohamed --- fixed issues</a:t>
+              <a:t>Mohamed --- created image generator </a:t>
             </a:r>
           </a:p>
           <a:p>
